--- a/AICTE PPT Template (1).pptx
+++ b/AICTE PPT Template (1).pptx
@@ -484,6 +484,90 @@
     </a:lvl9pPr>
   </p:notesStyle>
 </p:notesMaster>
+</file>
+
+<file path=ppt/notesSlides/notesSlide1.xml><?xml version="1.0" encoding="utf-8"?>
+<p:notes xmlns:a="http://schemas.openxmlformats.org/drawingml/2006/main" xmlns:r="http://schemas.openxmlformats.org/officeDocument/2006/relationships" xmlns:p="http://schemas.openxmlformats.org/presentationml/2006/main">
+  <p:cSld>
+    <p:spTree>
+      <p:nvGrpSpPr>
+        <p:cNvPr id="1" name=""/>
+        <p:cNvGrpSpPr/>
+        <p:nvPr/>
+      </p:nvGrpSpPr>
+      <p:grpSpPr>
+        <a:xfrm>
+          <a:off x="0" y="0"/>
+          <a:ext cx="0" cy="0"/>
+          <a:chOff x="0" y="0"/>
+          <a:chExt cx="0" cy="0"/>
+        </a:xfrm>
+      </p:grpSpPr>
+      <p:sp>
+        <p:nvSpPr>
+          <p:cNvPr id="2" name="Slide Image Placeholder 1"/>
+          <p:cNvSpPr>
+            <a:spLocks noGrp="1" noRot="1" noChangeAspect="1"/>
+          </p:cNvSpPr>
+          <p:nvPr>
+            <p:ph type="sldImg"/>
+          </p:nvPr>
+        </p:nvSpPr>
+        <p:spPr/>
+      </p:sp>
+      <p:sp>
+        <p:nvSpPr>
+          <p:cNvPr id="3" name="Notes Placeholder 2"/>
+          <p:cNvSpPr>
+            <a:spLocks noGrp="1"/>
+          </p:cNvSpPr>
+          <p:nvPr>
+            <p:ph type="body" idx="1"/>
+          </p:nvPr>
+        </p:nvSpPr>
+        <p:spPr/>
+        <p:txBody>
+          <a:bodyPr/>
+          <a:lstStyle/>
+          <a:p>
+            <a:endParaRPr lang="en-IN" dirty="0"/>
+          </a:p>
+        </p:txBody>
+      </p:sp>
+      <p:sp>
+        <p:nvSpPr>
+          <p:cNvPr id="4" name="Slide Number Placeholder 3"/>
+          <p:cNvSpPr>
+            <a:spLocks noGrp="1"/>
+          </p:cNvSpPr>
+          <p:nvPr>
+            <p:ph type="sldNum" sz="quarter" idx="5"/>
+          </p:nvPr>
+        </p:nvSpPr>
+        <p:spPr/>
+        <p:txBody>
+          <a:bodyPr/>
+          <a:lstStyle/>
+          <a:p>
+            <a:fld id="{17E254F1-4415-47BF-9E91-C5D4B9A33350}" type="slidenum">
+              <a:rPr lang="en-IN" smtClean="0"/>
+              <a:t>7</a:t>
+            </a:fld>
+            <a:endParaRPr lang="en-IN"/>
+          </a:p>
+        </p:txBody>
+      </p:sp>
+    </p:spTree>
+    <p:extLst>
+      <p:ext uri="{BB962C8B-B14F-4D97-AF65-F5344CB8AC3E}">
+        <p14:creationId xmlns:p14="http://schemas.microsoft.com/office/powerpoint/2010/main" val="3678859641"/>
+      </p:ext>
+    </p:extLst>
+  </p:cSld>
+  <p:clrMapOvr>
+    <a:masterClrMapping/>
+  </p:clrMapOvr>
+</p:notes>
 </file>
 
 <file path=ppt/slideLayouts/slideLayout1.xml><?xml version="1.0" encoding="utf-8"?>
@@ -4218,15 +4302,16 @@
         </p:nvSpPr>
         <p:spPr>
           <a:xfrm>
-            <a:off x="1359108" y="1821635"/>
-            <a:ext cx="9144000" cy="977778"/>
+            <a:off x="1359107" y="1821635"/>
+            <a:ext cx="10327126" cy="971807"/>
           </a:xfrm>
         </p:spPr>
         <p:txBody>
-          <a:bodyPr/>
+          <a:bodyPr>
+            <a:normAutofit fontScale="90000"/>
+          </a:bodyPr>
           <a:lstStyle/>
           <a:p>
-            <a:pPr algn="ctr"/>
             <a:r>
               <a:rPr lang="en-US" b="1" dirty="0">
                 <a:solidFill>
@@ -4235,7 +4320,7 @@
                 <a:latin typeface="Arial" panose="020B0604020202020204" pitchFamily="34" charset="0"/>
                 <a:cs typeface="Arial" panose="020B0604020202020204" pitchFamily="34" charset="0"/>
               </a:rPr>
-              <a:t>PROJECT TITLE</a:t>
+              <a:t>SECURE DATA HIDING IN IMAGE USING STEGNOGRAPHY </a:t>
             </a:r>
           </a:p>
         </p:txBody>
@@ -4248,8 +4333,8 @@
         </p:nvSpPr>
         <p:spPr>
           <a:xfrm>
-            <a:off x="-329782" y="1034321"/>
-            <a:ext cx="12726648" cy="584775"/>
+            <a:off x="2540" y="635772"/>
+            <a:ext cx="17136014" cy="584775"/>
           </a:xfrm>
           <a:prstGeom prst="rect">
             <a:avLst/>
@@ -4262,7 +4347,6 @@
           </a:bodyPr>
           <a:lstStyle/>
           <a:p>
-            <a:pPr algn="ctr"/>
             <a:r>
               <a:rPr lang="en-US" sz="3200" b="1" dirty="0">
                 <a:solidFill>
@@ -4286,8 +4370,8 @@
         </p:nvSpPr>
         <p:spPr>
           <a:xfrm>
-            <a:off x="3117529" y="4586365"/>
-            <a:ext cx="7980183" cy="1323439"/>
+            <a:off x="1359107" y="3792545"/>
+            <a:ext cx="7980183" cy="1877437"/>
           </a:xfrm>
           <a:prstGeom prst="rect">
             <a:avLst/>
@@ -4301,7 +4385,7 @@
           <a:lstStyle/>
           <a:p>
             <a:r>
-              <a:rPr lang="en-US" sz="2000" b="1" dirty="0">
+              <a:rPr lang="en-US" sz="2400" b="1" dirty="0">
                 <a:solidFill>
                   <a:schemeClr val="accent1">
                     <a:lumMod val="75000"/>
@@ -4315,7 +4399,7 @@
           </a:p>
           <a:p>
             <a:r>
-              <a:rPr lang="en-US" sz="2000" b="1" dirty="0">
+              <a:rPr lang="en-US" sz="2400" b="1" dirty="0">
                 <a:solidFill>
                   <a:schemeClr val="accent1">
                     <a:lumMod val="75000"/>
@@ -4324,12 +4408,12 @@
                 <a:latin typeface="Arial"/>
                 <a:cs typeface="Arial"/>
               </a:rPr>
-              <a:t>Student Name : </a:t>
-            </a:r>
-          </a:p>
-          <a:p>
-            <a:r>
-              <a:rPr lang="en-US" sz="2000" b="1" dirty="0">
+              <a:t>Student Name : KANNAM PAVAN KUMAR</a:t>
+            </a:r>
+          </a:p>
+          <a:p>
+            <a:r>
+              <a:rPr lang="en-US" sz="2400" b="1" dirty="0">
                 <a:solidFill>
                   <a:schemeClr val="accent1">
                     <a:lumMod val="75000"/>
@@ -4338,7 +4422,7 @@
                 <a:latin typeface="Arial"/>
                 <a:cs typeface="Arial"/>
               </a:rPr>
-              <a:t>College Name &amp; Department : </a:t>
+              <a:t>College Name &amp; Department : GOVERNMENT DEGREE COLLEGE(A), RAJAHMUNDRY</a:t>
             </a:r>
           </a:p>
           <a:p>
@@ -5604,34 +5688,95 @@
           </a:p>
         </p:txBody>
       </p:sp>
-      <p:sp>
-        <p:nvSpPr>
-          <p:cNvPr id="3" name="Content Placeholder 2">
+      <p:pic>
+        <p:nvPicPr>
+          <p:cNvPr id="5" name="Content Placeholder 4">
             <a:extLst>
               <a:ext uri="{FF2B5EF4-FFF2-40B4-BE49-F238E27FC236}">
-                <a16:creationId xmlns:a16="http://schemas.microsoft.com/office/drawing/2014/main" id="{805D7125-AC62-752D-6E68-9EB88BCC631C}"/>
+                <a16:creationId xmlns:a16="http://schemas.microsoft.com/office/drawing/2014/main" id="{EBF11DD0-D545-BD3E-7AA3-1F4BF785A3E5}"/>
               </a:ext>
             </a:extLst>
           </p:cNvPr>
-          <p:cNvSpPr>
-            <a:spLocks noGrp="1"/>
-          </p:cNvSpPr>
+          <p:cNvPicPr>
+            <a:picLocks noGrp="1" noChangeAspect="1"/>
+          </p:cNvPicPr>
           <p:nvPr>
             <p:ph idx="1"/>
           </p:nvPr>
-        </p:nvSpPr>
-        <p:spPr/>
-        <p:txBody>
-          <a:bodyPr/>
-          <a:lstStyle/>
-          <a:p>
-            <a:pPr marL="0" indent="0">
-              <a:buNone/>
-            </a:pPr>
-            <a:endParaRPr lang="en-IN" dirty="0"/>
-          </a:p>
-        </p:txBody>
-      </p:sp>
+        </p:nvPicPr>
+        <p:blipFill>
+          <a:blip r:embed="rId3"/>
+          <a:stretch>
+            <a:fillRect/>
+          </a:stretch>
+        </p:blipFill>
+        <p:spPr>
+          <a:xfrm>
+            <a:off x="224632" y="1301750"/>
+            <a:ext cx="6809968" cy="5430684"/>
+          </a:xfrm>
+        </p:spPr>
+      </p:pic>
+      <p:pic>
+        <p:nvPicPr>
+          <p:cNvPr id="7" name="Picture 6">
+            <a:extLst>
+              <a:ext uri="{FF2B5EF4-FFF2-40B4-BE49-F238E27FC236}">
+                <a16:creationId xmlns:a16="http://schemas.microsoft.com/office/drawing/2014/main" id="{E6B15639-F14A-A976-C1D6-C373B982926E}"/>
+              </a:ext>
+            </a:extLst>
+          </p:cNvPr>
+          <p:cNvPicPr>
+            <a:picLocks noChangeAspect="1"/>
+          </p:cNvPicPr>
+          <p:nvPr/>
+        </p:nvPicPr>
+        <p:blipFill>
+          <a:blip r:embed="rId4"/>
+          <a:stretch>
+            <a:fillRect/>
+          </a:stretch>
+        </p:blipFill>
+        <p:spPr>
+          <a:xfrm>
+            <a:off x="7239566" y="1301750"/>
+            <a:ext cx="4952434" cy="2405011"/>
+          </a:xfrm>
+          <a:prstGeom prst="rect">
+            <a:avLst/>
+          </a:prstGeom>
+        </p:spPr>
+      </p:pic>
+      <p:pic>
+        <p:nvPicPr>
+          <p:cNvPr id="9" name="Picture 8">
+            <a:extLst>
+              <a:ext uri="{FF2B5EF4-FFF2-40B4-BE49-F238E27FC236}">
+                <a16:creationId xmlns:a16="http://schemas.microsoft.com/office/drawing/2014/main" id="{8DA9726D-5974-9F5F-1A6C-78E65D6374B9}"/>
+              </a:ext>
+            </a:extLst>
+          </p:cNvPr>
+          <p:cNvPicPr>
+            <a:picLocks noChangeAspect="1"/>
+          </p:cNvPicPr>
+          <p:nvPr/>
+        </p:nvPicPr>
+        <p:blipFill>
+          <a:blip r:embed="rId5"/>
+          <a:stretch>
+            <a:fillRect/>
+          </a:stretch>
+        </p:blipFill>
+        <p:spPr>
+          <a:xfrm>
+            <a:off x="7239565" y="3783228"/>
+            <a:ext cx="4727803" cy="2949206"/>
+          </a:xfrm>
+          <a:prstGeom prst="rect">
+            <a:avLst/>
+          </a:prstGeom>
+        </p:spPr>
+      </p:pic>
     </p:spTree>
     <p:extLst>
       <p:ext uri="{BB962C8B-B14F-4D97-AF65-F5344CB8AC3E}">
@@ -5815,6 +5960,18 @@
         <p:txBody>
           <a:bodyPr/>
           <a:lstStyle/>
+          <a:p>
+            <a:pPr marL="0" indent="0" algn="just">
+              <a:buNone/>
+            </a:pPr>
+            <a:r>
+              <a:rPr lang="en-IN" sz="1600" b="1" dirty="0">
+                <a:hlinkClick r:id="rId2"/>
+              </a:rPr>
+              <a:t>https://github.com/Pavan-kumar19/My-Steganography.git</a:t>
+            </a:r>
+            <a:endParaRPr lang="en-IN" sz="1600" b="1" dirty="0"/>
+          </a:p>
           <a:p>
             <a:pPr marL="0" indent="0" algn="just">
               <a:buNone/>
@@ -6474,23 +6631,6 @@
 </file>
 
 <file path=customXml/item1.xml><?xml version="1.0" encoding="utf-8"?>
-<p:properties xmlns:p="http://schemas.microsoft.com/office/2006/metadata/properties" xmlns:xsi="http://www.w3.org/2001/XMLSchema-instance" xmlns:pc="http://schemas.microsoft.com/office/infopath/2007/PartnerControls">
-  <documentManagement>
-    <_activity xmlns="b30265f8-c5e2-4918-b4a1-b977299ca3e2" xsi:nil="true"/>
-  </documentManagement>
-</p:properties>
-</file>
-
-<file path=customXml/item2.xml><?xml version="1.0" encoding="utf-8"?>
-<?mso-contentType ?>
-<FormTemplates xmlns="http://schemas.microsoft.com/sharepoint/v3/contenttype/forms">
-  <Display>DocumentLibraryForm</Display>
-  <Edit>DocumentLibraryForm</Edit>
-  <New>DocumentLibraryForm</New>
-</FormTemplates>
-</file>
-
-<file path=customXml/item3.xml><?xml version="1.0" encoding="utf-8"?>
 <ct:contentTypeSchema xmlns:ct="http://schemas.microsoft.com/office/2006/metadata/contentType" xmlns:ma="http://schemas.microsoft.com/office/2006/metadata/properties/metaAttributes" ct:_="" ma:_="" ma:contentTypeName="Document" ma:contentTypeID="0x0101007F0268AC5E70984D8FE60B7154176407" ma:contentTypeVersion="15" ma:contentTypeDescription="Create a new document." ma:contentTypeScope="" ma:versionID="104e359103f0f57b1cf9676756e5b944">
   <xsd:schema xmlns:xsd="http://www.w3.org/2001/XMLSchema" xmlns:xs="http://www.w3.org/2001/XMLSchema" xmlns:p="http://schemas.microsoft.com/office/2006/metadata/properties" xmlns:ns3="b30265f8-c5e2-4918-b4a1-b977299ca3e2" xmlns:ns4="fadb41d3-f9cb-40fb-903c-8cacaba95bb5" targetNamespace="http://schemas.microsoft.com/office/2006/metadata/properties" ma:root="true" ma:fieldsID="5615b8f8aa772998bad551f24a33de0e" ns3:_="" ns4:_="">
     <xsd:import namespace="b30265f8-c5e2-4918-b4a1-b977299ca3e2"/>
@@ -6723,32 +6863,24 @@
 </ct:contentTypeSchema>
 </file>
 
-<file path=customXml/itemProps1.xml><?xml version="1.0" encoding="utf-8"?>
-<ds:datastoreItem xmlns:ds="http://schemas.openxmlformats.org/officeDocument/2006/customXml" ds:itemID="{8D289AE2-D2AE-49D1-AFAC-3A79F6794255}">
-  <ds:schemaRefs>
-    <ds:schemaRef ds:uri="http://schemas.openxmlformats.org/package/2006/metadata/core-properties"/>
-    <ds:schemaRef ds:uri="http://schemas.microsoft.com/office/2006/documentManagement/types"/>
-    <ds:schemaRef ds:uri="http://purl.org/dc/dcmitype/"/>
-    <ds:schemaRef ds:uri="http://schemas.microsoft.com/office/infopath/2007/PartnerControls"/>
-    <ds:schemaRef ds:uri="http://purl.org/dc/elements/1.1/"/>
-    <ds:schemaRef ds:uri="http://schemas.microsoft.com/office/2006/metadata/properties"/>
-    <ds:schemaRef ds:uri="fadb41d3-f9cb-40fb-903c-8cacaba95bb5"/>
-    <ds:schemaRef ds:uri="http://purl.org/dc/terms/"/>
-    <ds:schemaRef ds:uri="b30265f8-c5e2-4918-b4a1-b977299ca3e2"/>
-    <ds:schemaRef ds:uri="http://www.w3.org/XML/1998/namespace"/>
-  </ds:schemaRefs>
-</ds:datastoreItem>
+<file path=customXml/item2.xml><?xml version="1.0" encoding="utf-8"?>
+<?mso-contentType ?>
+<FormTemplates xmlns="http://schemas.microsoft.com/sharepoint/v3/contenttype/forms">
+  <Display>DocumentLibraryForm</Display>
+  <Edit>DocumentLibraryForm</Edit>
+  <New>DocumentLibraryForm</New>
+</FormTemplates>
 </file>
 
-<file path=customXml/itemProps2.xml><?xml version="1.0" encoding="utf-8"?>
-<ds:datastoreItem xmlns:ds="http://schemas.openxmlformats.org/officeDocument/2006/customXml" ds:itemID="{927BD4C1-B6B1-4715-ABF9-E660A51A4EA0}">
-  <ds:schemaRefs>
-    <ds:schemaRef ds:uri="http://schemas.microsoft.com/sharepoint/v3/contenttype/forms"/>
-  </ds:schemaRefs>
-</ds:datastoreItem>
+<file path=customXml/item3.xml><?xml version="1.0" encoding="utf-8"?>
+<p:properties xmlns:p="http://schemas.microsoft.com/office/2006/metadata/properties" xmlns:xsi="http://www.w3.org/2001/XMLSchema-instance" xmlns:pc="http://schemas.microsoft.com/office/infopath/2007/PartnerControls">
+  <documentManagement>
+    <_activity xmlns="b30265f8-c5e2-4918-b4a1-b977299ca3e2" xsi:nil="true"/>
+  </documentManagement>
+</p:properties>
 </file>
 
-<file path=customXml/itemProps3.xml><?xml version="1.0" encoding="utf-8"?>
+<file path=customXml/itemProps1.xml><?xml version="1.0" encoding="utf-8"?>
 <ds:datastoreItem xmlns:ds="http://schemas.openxmlformats.org/officeDocument/2006/customXml" ds:itemID="{9DD71778-17EE-4151-88AE-C8F4E8043BD9}">
   <ds:schemaRefs>
     <ds:schemaRef ds:uri="http://schemas.microsoft.com/office/2006/metadata/contentType"/>
@@ -6765,4 +6897,29 @@
     <ds:schemaRef ds:uri="http://schemas.microsoft.com/internal/obd"/>
   </ds:schemaRefs>
 </ds:datastoreItem>
+</file>
+
+<file path=customXml/itemProps2.xml><?xml version="1.0" encoding="utf-8"?>
+<ds:datastoreItem xmlns:ds="http://schemas.openxmlformats.org/officeDocument/2006/customXml" ds:itemID="{927BD4C1-B6B1-4715-ABF9-E660A51A4EA0}">
+  <ds:schemaRefs>
+    <ds:schemaRef ds:uri="http://schemas.microsoft.com/sharepoint/v3/contenttype/forms"/>
+  </ds:schemaRefs>
+</ds:datastoreItem>
+</file>
+
+<file path=customXml/itemProps3.xml><?xml version="1.0" encoding="utf-8"?>
+<ds:datastoreItem xmlns:ds="http://schemas.openxmlformats.org/officeDocument/2006/customXml" ds:itemID="{8D289AE2-D2AE-49D1-AFAC-3A79F6794255}">
+  <ds:schemaRefs>
+    <ds:schemaRef ds:uri="http://schemas.openxmlformats.org/package/2006/metadata/core-properties"/>
+    <ds:schemaRef ds:uri="http://schemas.microsoft.com/office/2006/documentManagement/types"/>
+    <ds:schemaRef ds:uri="http://purl.org/dc/dcmitype/"/>
+    <ds:schemaRef ds:uri="http://schemas.microsoft.com/office/infopath/2007/PartnerControls"/>
+    <ds:schemaRef ds:uri="http://purl.org/dc/elements/1.1/"/>
+    <ds:schemaRef ds:uri="http://schemas.microsoft.com/office/2006/metadata/properties"/>
+    <ds:schemaRef ds:uri="fadb41d3-f9cb-40fb-903c-8cacaba95bb5"/>
+    <ds:schemaRef ds:uri="http://purl.org/dc/terms/"/>
+    <ds:schemaRef ds:uri="b30265f8-c5e2-4918-b4a1-b977299ca3e2"/>
+    <ds:schemaRef ds:uri="http://www.w3.org/XML/1998/namespace"/>
+  </ds:schemaRefs>
+</ds:datastoreItem>
 </file>